--- a/study/ppt/[스터디]검정방법_KDH.pptx
+++ b/study/ppt/[스터디]검정방법_KDH.pptx
@@ -307,7 +307,7 @@
       </p15:sldGuideLst>
     </p:ext>
     <p:ext uri="http://customooxmlschemas.google.com/">
-      <go:slidesCustomData xmlns:go="http://customooxmlschemas.google.com/" xmlns:p15="http://schemas.microsoft.com/office/powerpoint/2012/main" xmlns:p14="http://schemas.microsoft.com/office/powerpoint/2010/main" xmlns:com="http://schemas.openxmlformats.org/drawingml/2006/compatibility" xmlns:pvml="urn:schemas-microsoft-com:office:powerpoint" xmlns:v="urn:schemas-microsoft-com:vml" xmlns:o="urn:schemas-microsoft-com:office:office" xmlns:dgm="http://schemas.openxmlformats.org/drawingml/2006/diagram" xmlns:c="http://schemas.openxmlformats.org/drawingml/2006/chart" xmlns:mv="urn:schemas-microsoft-com:mac:vml" xmlns:mc="http://schemas.openxmlformats.org/markup-compatibility/2006" xmlns="" r:id="rId10" roundtripDataSignature="AMtx7mhva3UHPhQA4WbyUQCroSE+7w+SGg=="/>
+      <go:slidesCustomData xmlns="" xmlns:mc="http://schemas.openxmlformats.org/markup-compatibility/2006" xmlns:mv="urn:schemas-microsoft-com:mac:vml" xmlns:c="http://schemas.openxmlformats.org/drawingml/2006/chart" xmlns:dgm="http://schemas.openxmlformats.org/drawingml/2006/diagram" xmlns:o="urn:schemas-microsoft-com:office:office" xmlns:v="urn:schemas-microsoft-com:vml" xmlns:pvml="urn:schemas-microsoft-com:office:powerpoint" xmlns:com="http://schemas.openxmlformats.org/drawingml/2006/compatibility" xmlns:p14="http://schemas.microsoft.com/office/powerpoint/2010/main" xmlns:p15="http://schemas.microsoft.com/office/powerpoint/2012/main" xmlns:go="http://customooxmlschemas.google.com/" r:id="rId10" roundtripDataSignature="AMtx7mhva3UHPhQA4WbyUQCroSE+7w+SGg=="/>
     </p:ext>
   </p:extLst>
 </p:presentation>
@@ -6009,8 +6009,8 @@
         </p:nvSpPr>
         <p:spPr>
           <a:xfrm>
-            <a:off x="1461842" y="4609506"/>
-            <a:ext cx="1391264" cy="600164"/>
+            <a:off x="1499021" y="4485036"/>
+            <a:ext cx="1391264" cy="769441"/>
           </a:xfrm>
           <a:prstGeom prst="rect">
             <a:avLst/>
@@ -6068,6 +6068,21 @@
             <a:r>
               <a:rPr lang="ko-KR" altLang="en-US" sz="1100" dirty="0"/>
               <a:t>범주</a:t>
+            </a:r>
+            <a:endParaRPr lang="en-US" altLang="ko-KR" sz="1100" dirty="0"/>
+          </a:p>
+          <a:p>
+            <a:r>
+              <a:rPr lang="ko-KR" altLang="en-US" sz="1100" dirty="0"/>
+              <a:t>관계</a:t>
+            </a:r>
+            <a:r>
+              <a:rPr lang="en-US" altLang="ko-KR" sz="1100" dirty="0"/>
+              <a:t>, </a:t>
+            </a:r>
+            <a:r>
+              <a:rPr lang="ko-KR" altLang="en-US" sz="1100" dirty="0"/>
+              <a:t>영향력</a:t>
             </a:r>
           </a:p>
         </p:txBody>
@@ -6377,7 +6392,7 @@
         <p:spPr>
           <a:xfrm>
             <a:off x="2765012" y="2297738"/>
-            <a:ext cx="894797" cy="253916"/>
+            <a:ext cx="931665" cy="253916"/>
           </a:xfrm>
           <a:prstGeom prst="rect">
             <a:avLst/>
@@ -6391,16 +6406,106 @@
           <a:lstStyle/>
           <a:p>
             <a:r>
-              <a:rPr lang="ko-KR" altLang="en-US" sz="1050" dirty="0" err="1"/>
-              <a:t>집단수</a:t>
-            </a:r>
-            <a:r>
               <a:rPr lang="ko-KR" altLang="en-US" sz="1050" dirty="0"/>
-              <a:t> 차이</a:t>
+              <a:t>집단 수 차이</a:t>
             </a:r>
           </a:p>
         </p:txBody>
       </p:sp>
+      <p:cxnSp>
+        <p:nvCxnSpPr>
+          <p:cNvPr id="8" name="연결선: 꺾임 7">
+            <a:extLst>
+              <a:ext uri="{FF2B5EF4-FFF2-40B4-BE49-F238E27FC236}">
+                <a16:creationId xmlns:a16="http://schemas.microsoft.com/office/drawing/2014/main" id="{5C4F0DEF-854E-49D8-9D81-0FEE9239E656}"/>
+              </a:ext>
+            </a:extLst>
+          </p:cNvPr>
+          <p:cNvCxnSpPr>
+            <a:stCxn id="20" idx="3"/>
+            <a:endCxn id="31" idx="3"/>
+          </p:cNvCxnSpPr>
+          <p:nvPr/>
+        </p:nvCxnSpPr>
+        <p:spPr>
+          <a:xfrm>
+            <a:off x="9232490" y="1708355"/>
+            <a:ext cx="12700" cy="1255035"/>
+          </a:xfrm>
+          <a:prstGeom prst="bentConnector3">
+            <a:avLst>
+              <a:gd name="adj1" fmla="val 1800000"/>
+            </a:avLst>
+          </a:prstGeom>
+          <a:ln w="25400">
+            <a:solidFill>
+              <a:srgbClr val="FF0000"/>
+            </a:solidFill>
+            <a:tailEnd type="triangle"/>
+          </a:ln>
+        </p:spPr>
+        <p:style>
+          <a:lnRef idx="1">
+            <a:schemeClr val="accent1"/>
+          </a:lnRef>
+          <a:fillRef idx="0">
+            <a:schemeClr val="accent1"/>
+          </a:fillRef>
+          <a:effectRef idx="0">
+            <a:schemeClr val="accent1"/>
+          </a:effectRef>
+          <a:fontRef idx="minor">
+            <a:schemeClr val="tx1"/>
+          </a:fontRef>
+        </p:style>
+      </p:cxnSp>
+      <p:cxnSp>
+        <p:nvCxnSpPr>
+          <p:cNvPr id="12" name="연결선: 꺾임 11">
+            <a:extLst>
+              <a:ext uri="{FF2B5EF4-FFF2-40B4-BE49-F238E27FC236}">
+                <a16:creationId xmlns:a16="http://schemas.microsoft.com/office/drawing/2014/main" id="{452FCB6E-6566-49D7-8663-76126DF2D85D}"/>
+              </a:ext>
+            </a:extLst>
+          </p:cNvPr>
+          <p:cNvCxnSpPr>
+            <a:stCxn id="21" idx="3"/>
+            <a:endCxn id="32" idx="3"/>
+          </p:cNvCxnSpPr>
+          <p:nvPr/>
+        </p:nvCxnSpPr>
+        <p:spPr>
+          <a:xfrm>
+            <a:off x="9232490" y="2396613"/>
+            <a:ext cx="12700" cy="1186208"/>
+          </a:xfrm>
+          <a:prstGeom prst="bentConnector3">
+            <a:avLst>
+              <a:gd name="adj1" fmla="val 4167118"/>
+            </a:avLst>
+          </a:prstGeom>
+          <a:ln w="25400">
+            <a:solidFill>
+              <a:srgbClr val="FF0000"/>
+            </a:solidFill>
+            <a:tailEnd type="triangle"/>
+          </a:ln>
+        </p:spPr>
+        <p:style>
+          <a:lnRef idx="1">
+            <a:schemeClr val="accent1"/>
+          </a:lnRef>
+          <a:fillRef idx="0">
+            <a:schemeClr val="accent1"/>
+          </a:fillRef>
+          <a:effectRef idx="0">
+            <a:schemeClr val="accent1"/>
+          </a:effectRef>
+          <a:fontRef idx="minor">
+            <a:schemeClr val="tx1"/>
+          </a:fontRef>
+        </p:style>
+      </p:cxnSp>
     </p:spTree>
     <p:extLst>
       <p:ext uri="{BB962C8B-B14F-4D97-AF65-F5344CB8AC3E}">
